--- a/01 Classes/Aula 05 Programação Python - Estrutura de Repetição For.pptx
+++ b/01 Classes/Aula 05 Programação Python - Estrutura de Repetição For.pptx
@@ -7149,7 +7149,17 @@
                 <a:latin typeface="Times New Roman" panose="02020603050405020304" pitchFamily="18" charset="0"/>
                 <a:cs typeface="Times New Roman" panose="02020603050405020304" pitchFamily="18" charset="0"/>
               </a:rPr>
-              <a:t>função range() </a:t>
+              <a:t>função </a:t>
+            </a:r>
+            <a:r>
+              <a:rPr lang="pt-BR" sz="2400" b="1">
+                <a:solidFill>
+                  <a:srgbClr val="FF0000"/>
+                </a:solidFill>
+                <a:latin typeface="Times New Roman" panose="02020603050405020304" pitchFamily="18" charset="0"/>
+                <a:cs typeface="Times New Roman" panose="02020603050405020304" pitchFamily="18" charset="0"/>
+              </a:rPr>
+              <a:t>range( ) </a:t>
             </a:r>
             <a:r>
               <a:rPr lang="pt-BR" sz="2400" dirty="0">
@@ -7159,7 +7169,27 @@
                 <a:latin typeface="Times New Roman" panose="02020603050405020304" pitchFamily="18" charset="0"/>
                 <a:cs typeface="Times New Roman" panose="02020603050405020304" pitchFamily="18" charset="0"/>
               </a:rPr>
-              <a:t>retorna uma série de números consecutivos. Por padrão, ela inicia no número 0 e é incrementada adicionando 1.</a:t>
+              <a:t>retorna uma série de números consecutivos. Por </a:t>
+            </a:r>
+            <a:r>
+              <a:rPr lang="pt-BR" sz="2400" b="1" dirty="0">
+                <a:solidFill>
+                  <a:schemeClr val="tx1"/>
+                </a:solidFill>
+                <a:latin typeface="Times New Roman" panose="02020603050405020304" pitchFamily="18" charset="0"/>
+                <a:cs typeface="Times New Roman" panose="02020603050405020304" pitchFamily="18" charset="0"/>
+              </a:rPr>
+              <a:t>padrão</a:t>
+            </a:r>
+            <a:r>
+              <a:rPr lang="pt-BR" sz="2400" dirty="0">
+                <a:solidFill>
+                  <a:schemeClr val="tx1"/>
+                </a:solidFill>
+                <a:latin typeface="Times New Roman" panose="02020603050405020304" pitchFamily="18" charset="0"/>
+                <a:cs typeface="Times New Roman" panose="02020603050405020304" pitchFamily="18" charset="0"/>
+              </a:rPr>
+              <a:t>, ela inicia no número 0 e é incrementada adicionando 1.</a:t>
             </a:r>
           </a:p>
           <a:p>
@@ -7206,7 +7236,27 @@
                 <a:latin typeface="Times New Roman" panose="02020603050405020304" pitchFamily="18" charset="0"/>
                 <a:cs typeface="Times New Roman" panose="02020603050405020304" pitchFamily="18" charset="0"/>
               </a:rPr>
-              <a:t>(4), por exemplo, retornará o seguinte valor : “0, 1, 2, 3”, pois ao chegar ao número 4, o loop será concluído. A sintaxe da função range() é:</a:t>
+              <a:t>(4), por exemplo, retornará o seguinte valor : “0, 1, 2, 3”, pois ao chegar ao número 4, o loop será concluído. A sintaxe da função </a:t>
+            </a:r>
+            <a:r>
+              <a:rPr lang="pt-BR" sz="2400" b="1" dirty="0">
+                <a:solidFill>
+                  <a:schemeClr val="tx1"/>
+                </a:solidFill>
+                <a:latin typeface="Times New Roman" panose="02020603050405020304" pitchFamily="18" charset="0"/>
+                <a:cs typeface="Times New Roman" panose="02020603050405020304" pitchFamily="18" charset="0"/>
+              </a:rPr>
+              <a:t>range</a:t>
+            </a:r>
+            <a:r>
+              <a:rPr lang="pt-BR" sz="2400" dirty="0">
+                <a:solidFill>
+                  <a:schemeClr val="tx1"/>
+                </a:solidFill>
+                <a:latin typeface="Times New Roman" panose="02020603050405020304" pitchFamily="18" charset="0"/>
+                <a:cs typeface="Times New Roman" panose="02020603050405020304" pitchFamily="18" charset="0"/>
+              </a:rPr>
+              <a:t>() é:</a:t>
             </a:r>
           </a:p>
           <a:p>
@@ -7495,7 +7545,7 @@
                 <a:latin typeface="Times New Roman" panose="02020603050405020304" pitchFamily="18" charset="0"/>
                 <a:cs typeface="Times New Roman" panose="02020603050405020304" pitchFamily="18" charset="0"/>
               </a:rPr>
-              <a:t>função range() </a:t>
+              <a:t>função range( ) </a:t>
             </a:r>
             <a:r>
               <a:rPr lang="pt-BR" sz="2400" dirty="0">
@@ -7659,7 +7709,7 @@
                 <a:latin typeface="Times New Roman" panose="02020603050405020304" pitchFamily="18" charset="0"/>
                 <a:cs typeface="Times New Roman" panose="02020603050405020304" pitchFamily="18" charset="0"/>
               </a:rPr>
-              <a:t>Exemplo1 for/range:</a:t>
+              <a:t>Exemplo 1 for/range:</a:t>
             </a:r>
           </a:p>
           <a:p>
@@ -7960,7 +8010,7 @@
                 <a:latin typeface="Times New Roman" panose="02020603050405020304" pitchFamily="18" charset="0"/>
                 <a:cs typeface="Times New Roman" panose="02020603050405020304" pitchFamily="18" charset="0"/>
               </a:rPr>
-              <a:t>Exemplo2 for range:</a:t>
+              <a:t>Exemplo 2 for range:</a:t>
             </a:r>
           </a:p>
           <a:p>
@@ -8087,7 +8137,7 @@
                 <a:latin typeface="Times New Roman" panose="02020603050405020304" pitchFamily="18" charset="0"/>
                 <a:cs typeface="Times New Roman" panose="02020603050405020304" pitchFamily="18" charset="0"/>
               </a:rPr>
-              <a:t>Exemplo3 for range:</a:t>
+              <a:t>Exemplo 3 for range:</a:t>
             </a:r>
           </a:p>
           <a:p>

--- a/01 Classes/Aula 05 Programação Python - Estrutura de Repetição For.pptx
+++ b/01 Classes/Aula 05 Programação Python - Estrutura de Repetição For.pptx
@@ -4350,12 +4350,15 @@
                 <a:cs typeface="Times New Roman" panose="02020603050405020304" pitchFamily="18" charset="0"/>
                 <a:hlinkClick r:id="rId3"/>
               </a:rPr>
-              <a:t>https://www.w3schools.com/python/python_variables.asp</a:t>
-            </a:r>
-            <a:endParaRPr lang="pt-BR" dirty="0">
-              <a:latin typeface="Times New Roman" panose="02020603050405020304" pitchFamily="18" charset="0"/>
-              <a:cs typeface="Times New Roman" panose="02020603050405020304" pitchFamily="18" charset="0"/>
-            </a:endParaRPr>
+              <a:t>https://www.w3schools.com/python/ref_func_range.asp</a:t>
+            </a:r>
+            <a:r>
+              <a:rPr lang="pt-BR" dirty="0">
+                <a:latin typeface="Times New Roman" panose="02020603050405020304" pitchFamily="18" charset="0"/>
+                <a:cs typeface="Times New Roman" panose="02020603050405020304" pitchFamily="18" charset="0"/>
+              </a:rPr>
+              <a:t> </a:t>
+            </a:r>
           </a:p>
           <a:p>
             <a:pPr marL="0" indent="0" algn="just">
@@ -4556,7 +4559,7 @@
                 <a:latin typeface="Times New Roman" panose="02020603050405020304" pitchFamily="18" charset="0"/>
                 <a:cs typeface="Times New Roman" panose="02020603050405020304" pitchFamily="18" charset="0"/>
               </a:rPr>
-              <a:t>[1] </a:t>
+              <a:t>[1] For: </a:t>
             </a:r>
             <a:r>
               <a:rPr lang="pt-BR" sz="2000" dirty="0">
@@ -4564,12 +4567,15 @@
                 <a:cs typeface="Times New Roman" panose="02020603050405020304" pitchFamily="18" charset="0"/>
                 <a:hlinkClick r:id="rId3"/>
               </a:rPr>
-              <a:t>https://www.programiz.com/python-programming/variables-constants-literals</a:t>
-            </a:r>
-            <a:endParaRPr lang="pt-BR" sz="2000" dirty="0">
-              <a:latin typeface="Times New Roman" panose="02020603050405020304" pitchFamily="18" charset="0"/>
-              <a:cs typeface="Times New Roman" panose="02020603050405020304" pitchFamily="18" charset="0"/>
-            </a:endParaRPr>
+              <a:t>https://youtu.be/55rOjj6kEck</a:t>
+            </a:r>
+            <a:r>
+              <a:rPr lang="pt-BR" sz="2000" dirty="0">
+                <a:latin typeface="Times New Roman" panose="02020603050405020304" pitchFamily="18" charset="0"/>
+                <a:cs typeface="Times New Roman" panose="02020603050405020304" pitchFamily="18" charset="0"/>
+              </a:rPr>
+              <a:t> </a:t>
+            </a:r>
           </a:p>
           <a:p>
             <a:pPr marL="0" indent="0" algn="just">
@@ -4593,6 +4599,15 @@
             <a:pPr marL="0" indent="0" algn="just">
               <a:buNone/>
             </a:pPr>
+            <a:endParaRPr lang="pt-BR" sz="2000" dirty="0">
+              <a:latin typeface="Times New Roman" panose="02020603050405020304" pitchFamily="18" charset="0"/>
+              <a:cs typeface="Times New Roman" panose="02020603050405020304" pitchFamily="18" charset="0"/>
+            </a:endParaRPr>
+          </a:p>
+          <a:p>
+            <a:pPr marL="0" indent="0" algn="just">
+              <a:buNone/>
+            </a:pPr>
             <a:r>
               <a:rPr lang="pt-BR" sz="2000" dirty="0">
                 <a:latin typeface="Times New Roman" panose="02020603050405020304" pitchFamily="18" charset="0"/>
@@ -4601,13 +4616,49 @@
               <a:t>[2] </a:t>
             </a:r>
             <a:r>
+              <a:rPr lang="pt-BR" sz="2000" dirty="0" err="1">
+                <a:latin typeface="Times New Roman" panose="02020603050405020304" pitchFamily="18" charset="0"/>
+                <a:cs typeface="Times New Roman" panose="02020603050405020304" pitchFamily="18" charset="0"/>
+              </a:rPr>
+              <a:t>For:</a:t>
+            </a:r>
+            <a:r>
+              <a:rPr lang="pt-BR" sz="2000" dirty="0" err="1">
+                <a:latin typeface="Times New Roman" panose="02020603050405020304" pitchFamily="18" charset="0"/>
+                <a:cs typeface="Times New Roman" panose="02020603050405020304" pitchFamily="18" charset="0"/>
+                <a:hlinkClick r:id="rId4"/>
+              </a:rPr>
+              <a:t>https</a:t>
+            </a:r>
+            <a:r>
               <a:rPr lang="pt-BR" sz="2000" dirty="0">
                 <a:latin typeface="Times New Roman" panose="02020603050405020304" pitchFamily="18" charset="0"/>
                 <a:cs typeface="Times New Roman" panose="02020603050405020304" pitchFamily="18" charset="0"/>
                 <a:hlinkClick r:id="rId4"/>
               </a:rPr>
-              <a:t>https://www.programiz.com/python-programming/examples/swap-variables</a:t>
-            </a:r>
+              <a:t>://youtu.be/m4XgtArpc-8</a:t>
+            </a:r>
+            <a:r>
+              <a:rPr lang="pt-BR" sz="2000" dirty="0">
+                <a:latin typeface="Times New Roman" panose="02020603050405020304" pitchFamily="18" charset="0"/>
+                <a:cs typeface="Times New Roman" panose="02020603050405020304" pitchFamily="18" charset="0"/>
+              </a:rPr>
+              <a:t> </a:t>
+            </a:r>
+          </a:p>
+          <a:p>
+            <a:pPr marL="0" indent="0" algn="just">
+              <a:buNone/>
+            </a:pPr>
+            <a:endParaRPr lang="pt-BR" sz="2000" dirty="0">
+              <a:latin typeface="Times New Roman" panose="02020603050405020304" pitchFamily="18" charset="0"/>
+              <a:cs typeface="Times New Roman" panose="02020603050405020304" pitchFamily="18" charset="0"/>
+            </a:endParaRPr>
+          </a:p>
+          <a:p>
+            <a:pPr marL="0" indent="0" algn="just">
+              <a:buNone/>
+            </a:pPr>
             <a:endParaRPr lang="pt-BR" sz="2000" dirty="0">
               <a:latin typeface="Times New Roman" panose="02020603050405020304" pitchFamily="18" charset="0"/>
               <a:cs typeface="Times New Roman" panose="02020603050405020304" pitchFamily="18" charset="0"/>
@@ -6712,7 +6763,7 @@
                 <a:latin typeface="Times New Roman" panose="02020603050405020304" pitchFamily="18" charset="0"/>
                 <a:cs typeface="Times New Roman" panose="02020603050405020304" pitchFamily="18" charset="0"/>
               </a:rPr>
-              <a:t> = [‘26976’, ‘38787’, ‘49070’, ‘20809’, ‘3097’, ‘498798’, ‘3987’, ‘28768’];</a:t>
+              <a:t> = [‘26976’, ‘38787’, ‘49070’, ‘20809’, ‘3097’, ‘498798’, ‘3987’, ‘28768’]</a:t>
             </a:r>
           </a:p>
           <a:p>
@@ -6827,7 +6878,7 @@
                 <a:latin typeface="Times New Roman" panose="02020603050405020304" pitchFamily="18" charset="0"/>
                 <a:cs typeface="Times New Roman" panose="02020603050405020304" pitchFamily="18" charset="0"/>
               </a:rPr>
-              <a:t> {ordem} – Manutenção preventiva’);</a:t>
+              <a:t> {ordem} – Manutenção preventiva’)</a:t>
             </a:r>
           </a:p>
           <a:p>
@@ -6917,7 +6968,7 @@
                 <a:latin typeface="Times New Roman" panose="02020603050405020304" pitchFamily="18" charset="0"/>
                 <a:cs typeface="Times New Roman" panose="02020603050405020304" pitchFamily="18" charset="0"/>
               </a:rPr>
-              <a:t> {ordem} – Manutenção corretiva’);</a:t>
+              <a:t> {ordem} – Manutenção corretiva’)</a:t>
             </a:r>
           </a:p>
           <a:p>
@@ -6997,7 +7048,7 @@
                 <a:latin typeface="Times New Roman" panose="02020603050405020304" pitchFamily="18" charset="0"/>
                 <a:cs typeface="Times New Roman" panose="02020603050405020304" pitchFamily="18" charset="0"/>
               </a:rPr>
-              <a:t>{ordem} – Manutenção preditiva’);</a:t>
+              <a:t>{ordem} – Manutenção preditiva’)</a:t>
             </a:r>
           </a:p>
         </p:txBody>
@@ -7856,7 +7907,7 @@
                 <a:latin typeface="Times New Roman" panose="02020603050405020304" pitchFamily="18" charset="0"/>
                 <a:cs typeface="Times New Roman" panose="02020603050405020304" pitchFamily="18" charset="0"/>
               </a:rPr>
-              <a:t>(“Número”, numero, “é par”);</a:t>
+              <a:t>(“Número”, numero, “é par”)</a:t>
             </a:r>
           </a:p>
           <a:p>
@@ -8003,7 +8054,7 @@
               <a:buNone/>
             </a:pPr>
             <a:r>
-              <a:rPr lang="pt-BR" sz="3200" b="1" dirty="0">
+              <a:rPr lang="pt-BR" b="1" dirty="0">
                 <a:solidFill>
                   <a:srgbClr val="FF0000"/>
                 </a:solidFill>
@@ -8018,7 +8069,7 @@
               <a:buNone/>
             </a:pPr>
             <a:r>
-              <a:rPr lang="pt-BR" sz="3200" b="1" dirty="0">
+              <a:rPr lang="pt-BR" b="1" dirty="0">
                 <a:solidFill>
                   <a:schemeClr val="tx1"/>
                 </a:solidFill>
@@ -8028,7 +8079,7 @@
               <a:t>for</a:t>
             </a:r>
             <a:r>
-              <a:rPr lang="pt-BR" sz="3200" dirty="0">
+              <a:rPr lang="pt-BR" dirty="0">
                 <a:solidFill>
                   <a:schemeClr val="tx1"/>
                 </a:solidFill>
@@ -8038,7 +8089,7 @@
               <a:t> numero </a:t>
             </a:r>
             <a:r>
-              <a:rPr lang="pt-BR" sz="3200" b="1" dirty="0">
+              <a:rPr lang="pt-BR" b="1" dirty="0">
                 <a:solidFill>
                   <a:schemeClr val="tx1"/>
                 </a:solidFill>
@@ -8048,7 +8099,7 @@
               <a:t>in</a:t>
             </a:r>
             <a:r>
-              <a:rPr lang="pt-BR" sz="3200" dirty="0">
+              <a:rPr lang="pt-BR" dirty="0">
                 <a:solidFill>
                   <a:schemeClr val="tx1"/>
                 </a:solidFill>
@@ -8058,7 +8109,7 @@
               <a:t> </a:t>
             </a:r>
             <a:r>
-              <a:rPr lang="pt-BR" sz="3200" b="1" dirty="0">
+              <a:rPr lang="pt-BR" b="1" dirty="0">
                 <a:solidFill>
                   <a:schemeClr val="tx1"/>
                 </a:solidFill>
@@ -8068,7 +8119,7 @@
               <a:t>range</a:t>
             </a:r>
             <a:r>
-              <a:rPr lang="pt-BR" sz="3200" dirty="0">
+              <a:rPr lang="pt-BR" dirty="0">
                 <a:solidFill>
                   <a:schemeClr val="tx1"/>
                 </a:solidFill>
@@ -8083,7 +8134,7 @@
               <a:buNone/>
             </a:pPr>
             <a:r>
-              <a:rPr lang="pt-BR" sz="3200" dirty="0">
+              <a:rPr lang="pt-BR" dirty="0">
                 <a:solidFill>
                   <a:schemeClr val="tx1"/>
                 </a:solidFill>
@@ -8093,7 +8144,7 @@
               <a:t>		</a:t>
             </a:r>
             <a:r>
-              <a:rPr lang="pt-BR" sz="3200" b="1" dirty="0">
+              <a:rPr lang="pt-BR" b="1" dirty="0">
                 <a:solidFill>
                   <a:schemeClr val="tx1"/>
                 </a:solidFill>
@@ -8103,21 +8154,21 @@
               <a:t>print</a:t>
             </a:r>
             <a:r>
-              <a:rPr lang="pt-BR" sz="3200" dirty="0">
+              <a:rPr lang="pt-BR" dirty="0">
                 <a:solidFill>
                   <a:schemeClr val="tx1"/>
                 </a:solidFill>
                 <a:latin typeface="Times New Roman" panose="02020603050405020304" pitchFamily="18" charset="0"/>
                 <a:cs typeface="Times New Roman" panose="02020603050405020304" pitchFamily="18" charset="0"/>
               </a:rPr>
-              <a:t>(numero);</a:t>
+              <a:t>(numero)</a:t>
             </a:r>
           </a:p>
           <a:p>
             <a:pPr marL="0" indent="0" algn="just">
               <a:buNone/>
             </a:pPr>
-            <a:endParaRPr lang="pt-BR" sz="3200" dirty="0">
+            <a:endParaRPr lang="pt-BR" dirty="0">
               <a:solidFill>
                 <a:schemeClr val="tx1"/>
               </a:solidFill>
@@ -8130,7 +8181,7 @@
               <a:buNone/>
             </a:pPr>
             <a:r>
-              <a:rPr lang="pt-BR" sz="3200" b="1" dirty="0">
+              <a:rPr lang="pt-BR" b="1" dirty="0">
                 <a:solidFill>
                   <a:srgbClr val="FF0000"/>
                 </a:solidFill>
@@ -8145,7 +8196,7 @@
               <a:buNone/>
             </a:pPr>
             <a:r>
-              <a:rPr lang="pt-BR" sz="3200" b="1" dirty="0">
+              <a:rPr lang="pt-BR" b="1" dirty="0">
                 <a:solidFill>
                   <a:schemeClr val="tx1"/>
                 </a:solidFill>
@@ -8155,7 +8206,7 @@
               <a:t>for</a:t>
             </a:r>
             <a:r>
-              <a:rPr lang="pt-BR" sz="3200" dirty="0">
+              <a:rPr lang="pt-BR" dirty="0">
                 <a:solidFill>
                   <a:schemeClr val="tx1"/>
                 </a:solidFill>
@@ -8165,7 +8216,7 @@
               <a:t> numero </a:t>
             </a:r>
             <a:r>
-              <a:rPr lang="pt-BR" sz="3200" b="1" dirty="0">
+              <a:rPr lang="pt-BR" b="1" dirty="0">
                 <a:solidFill>
                   <a:schemeClr val="tx1"/>
                 </a:solidFill>
@@ -8175,7 +8226,7 @@
               <a:t>in</a:t>
             </a:r>
             <a:r>
-              <a:rPr lang="pt-BR" sz="3200" dirty="0">
+              <a:rPr lang="pt-BR" dirty="0">
                 <a:solidFill>
                   <a:schemeClr val="tx1"/>
                 </a:solidFill>
@@ -8185,7 +8236,7 @@
               <a:t> </a:t>
             </a:r>
             <a:r>
-              <a:rPr lang="pt-BR" sz="3200" b="1" dirty="0">
+              <a:rPr lang="pt-BR" b="1" dirty="0">
                 <a:solidFill>
                   <a:schemeClr val="tx1"/>
                 </a:solidFill>
@@ -8195,7 +8246,7 @@
               <a:t>range</a:t>
             </a:r>
             <a:r>
-              <a:rPr lang="pt-BR" sz="3200" dirty="0">
+              <a:rPr lang="pt-BR" dirty="0">
                 <a:solidFill>
                   <a:schemeClr val="tx1"/>
                 </a:solidFill>
@@ -8210,7 +8261,7 @@
               <a:buNone/>
             </a:pPr>
             <a:r>
-              <a:rPr lang="pt-BR" sz="3200" dirty="0">
+              <a:rPr lang="pt-BR" dirty="0">
                 <a:solidFill>
                   <a:schemeClr val="tx1"/>
                 </a:solidFill>
@@ -8220,7 +8271,7 @@
               <a:t>		</a:t>
             </a:r>
             <a:r>
-              <a:rPr lang="pt-BR" sz="3200" b="1" dirty="0">
+              <a:rPr lang="pt-BR" b="1" dirty="0">
                 <a:solidFill>
                   <a:schemeClr val="tx1"/>
                 </a:solidFill>
@@ -8230,21 +8281,21 @@
               <a:t>print</a:t>
             </a:r>
             <a:r>
-              <a:rPr lang="pt-BR" sz="3200" dirty="0">
+              <a:rPr lang="pt-BR" dirty="0">
                 <a:solidFill>
                   <a:schemeClr val="tx1"/>
                 </a:solidFill>
                 <a:latin typeface="Times New Roman" panose="02020603050405020304" pitchFamily="18" charset="0"/>
                 <a:cs typeface="Times New Roman" panose="02020603050405020304" pitchFamily="18" charset="0"/>
               </a:rPr>
-              <a:t>(numero);</a:t>
+              <a:t>(numero)</a:t>
             </a:r>
           </a:p>
           <a:p>
             <a:pPr marL="0" indent="0" algn="just">
               <a:buNone/>
             </a:pPr>
-            <a:endParaRPr lang="pt-BR" sz="3200" dirty="0">
+            <a:endParaRPr lang="pt-BR" dirty="0">
               <a:solidFill>
                 <a:schemeClr val="tx1"/>
               </a:solidFill>
@@ -8256,7 +8307,7 @@
             <a:pPr marL="0" indent="0" algn="just">
               <a:buNone/>
             </a:pPr>
-            <a:endParaRPr lang="pt-BR" sz="3200" dirty="0">
+            <a:endParaRPr lang="pt-BR" dirty="0">
               <a:solidFill>
                 <a:schemeClr val="tx1"/>
               </a:solidFill>
